--- a/presentation/Presentation.pptx
+++ b/presentation/Presentation.pptx
@@ -3540,12 +3540,11 @@
           <a:p>
             <a:r>
               <a:rPr lang="en-US" dirty="0"/>
-              <a:t>I have found that it is very effective at summarizing text differences and </a:t>
-            </a:r>
-            <a:r>
-              <a:rPr lang="en-US"/>
-              <a:t>categorizing text.</a:t>
-            </a:r>
+              <a:t>I have found that LLMs are very effective at diffing text blobs and categorization tasks.</a:t>
+            </a:r>
+          </a:p>
+          <a:p>
+            <a:endParaRPr lang="en-US" dirty="0"/>
           </a:p>
         </p:txBody>
       </p:sp>
@@ -3576,6 +3575,258 @@
     <p:extLst>
       <p:ext uri="{BB962C8B-B14F-4D97-AF65-F5344CB8AC3E}">
         <p14:creationId xmlns:p14="http://schemas.microsoft.com/office/powerpoint/2010/main" val="815459778"/>
+      </p:ext>
+    </p:extLst>
+  </p:cSld>
+  <p:clrMapOvr>
+    <a:masterClrMapping/>
+  </p:clrMapOvr>
+</p:notes>
+</file>
+
+<file path=ppt/notesSlides/notesSlide2.xml><?xml version="1.0" encoding="utf-8"?>
+<p:notes xmlns:a="http://schemas.openxmlformats.org/drawingml/2006/main" xmlns:r="http://schemas.openxmlformats.org/officeDocument/2006/relationships" xmlns:p="http://schemas.openxmlformats.org/presentationml/2006/main">
+  <p:cSld>
+    <p:spTree>
+      <p:nvGrpSpPr>
+        <p:cNvPr id="1" name=""/>
+        <p:cNvGrpSpPr/>
+        <p:nvPr/>
+      </p:nvGrpSpPr>
+      <p:grpSpPr>
+        <a:xfrm>
+          <a:off x="0" y="0"/>
+          <a:ext cx="0" cy="0"/>
+          <a:chOff x="0" y="0"/>
+          <a:chExt cx="0" cy="0"/>
+        </a:xfrm>
+      </p:grpSpPr>
+      <p:sp>
+        <p:nvSpPr>
+          <p:cNvPr id="2" name="Slide Image Placeholder 1"/>
+          <p:cNvSpPr>
+            <a:spLocks noGrp="1" noRot="1" noChangeAspect="1"/>
+          </p:cNvSpPr>
+          <p:nvPr>
+            <p:ph type="sldImg"/>
+          </p:nvPr>
+        </p:nvSpPr>
+        <p:spPr/>
+      </p:sp>
+      <p:sp>
+        <p:nvSpPr>
+          <p:cNvPr id="3" name="Notes Placeholder 2"/>
+          <p:cNvSpPr>
+            <a:spLocks noGrp="1"/>
+          </p:cNvSpPr>
+          <p:nvPr>
+            <p:ph type="body" idx="1"/>
+          </p:nvPr>
+        </p:nvSpPr>
+        <p:spPr/>
+        <p:txBody>
+          <a:bodyPr/>
+          <a:lstStyle/>
+          <a:p>
+            <a:r>
+              <a:rPr lang="en-US" dirty="0"/>
+              <a:t>This is FastGen4. It has 130 compounds and 214 chromatograms.</a:t>
+            </a:r>
+          </a:p>
+          <a:p>
+            <a:endParaRPr lang="en-US" dirty="0"/>
+          </a:p>
+          <a:p>
+            <a:r>
+              <a:rPr lang="en-US" dirty="0"/>
+              <a:t>The main complaint I hear from </a:t>
+            </a:r>
+            <a:r>
+              <a:rPr lang="en-US" dirty="0" err="1"/>
+              <a:t>ComOps</a:t>
+            </a:r>
+            <a:r>
+              <a:rPr lang="en-US" dirty="0"/>
+              <a:t> is that some rules should be enabled for only analytes or internal standards.  To enable a rule for all analytes requires 84 precise clicks, then clicks and typing for each rule setting.</a:t>
+            </a:r>
+          </a:p>
+          <a:p>
+            <a:r>
+              <a:rPr lang="en-US" dirty="0"/>
+              <a:t>Look at the chromatogram dropdown menus. To select a Quant, the user must search for it among all the chromatograms in the assay (214).</a:t>
+            </a:r>
+          </a:p>
+          <a:p>
+            <a:endParaRPr lang="en-US" dirty="0"/>
+          </a:p>
+          <a:p>
+            <a:r>
+              <a:rPr lang="en-US" dirty="0"/>
+              <a:t>Looking at this UI, we have a ton of context. We have a rule definition, parameters, and compounds and chromatograms with defined relationships.</a:t>
+            </a:r>
+          </a:p>
+          <a:p>
+            <a:endParaRPr lang="en-US" dirty="0"/>
+          </a:p>
+          <a:p>
+            <a:r>
+              <a:rPr lang="en-US" dirty="0"/>
+              <a:t>We have:</a:t>
+            </a:r>
+          </a:p>
+          <a:p>
+            <a:pPr marL="171450" indent="-171450">
+              <a:buFontTx/>
+              <a:buChar char="-"/>
+            </a:pPr>
+            <a:r>
+              <a:rPr lang="en-US" dirty="0"/>
+              <a:t>A simple task space with clearly definable goals.</a:t>
+            </a:r>
+          </a:p>
+          <a:p>
+            <a:pPr marL="171450" indent="-171450">
+              <a:buFontTx/>
+              <a:buChar char="-"/>
+            </a:pPr>
+            <a:r>
+              <a:rPr lang="en-US" dirty="0"/>
+              <a:t>Lots of context</a:t>
+            </a:r>
+          </a:p>
+          <a:p>
+            <a:pPr marL="171450" indent="-171450">
+              <a:buFontTx/>
+              <a:buChar char="-"/>
+            </a:pPr>
+            <a:r>
+              <a:rPr lang="en-US" dirty="0"/>
+              <a:t>An expert practitioner overseeing any changes that occur</a:t>
+            </a:r>
+          </a:p>
+          <a:p>
+            <a:pPr marL="171450" indent="-171450">
+              <a:buFontTx/>
+              <a:buChar char="-"/>
+            </a:pPr>
+            <a:r>
+              <a:rPr lang="en-US" dirty="0"/>
+              <a:t>And a clearly structured data model that is easy for an LLM to understand</a:t>
+            </a:r>
+          </a:p>
+        </p:txBody>
+      </p:sp>
+      <p:sp>
+        <p:nvSpPr>
+          <p:cNvPr id="4" name="Slide Number Placeholder 3"/>
+          <p:cNvSpPr>
+            <a:spLocks noGrp="1"/>
+          </p:cNvSpPr>
+          <p:nvPr>
+            <p:ph type="sldNum" sz="quarter" idx="5"/>
+          </p:nvPr>
+        </p:nvSpPr>
+        <p:spPr/>
+        <p:txBody>
+          <a:bodyPr/>
+          <a:lstStyle/>
+          <a:p>
+            <a:fld id="{68496B6F-940E-9549-B92E-EB420995AEA4}" type="slidenum">
+              <a:rPr lang="en-US" smtClean="0"/>
+              <a:t>3</a:t>
+            </a:fld>
+            <a:endParaRPr lang="en-US"/>
+          </a:p>
+        </p:txBody>
+      </p:sp>
+    </p:spTree>
+    <p:extLst>
+      <p:ext uri="{BB962C8B-B14F-4D97-AF65-F5344CB8AC3E}">
+        <p14:creationId xmlns:p14="http://schemas.microsoft.com/office/powerpoint/2010/main" val="1323667117"/>
+      </p:ext>
+    </p:extLst>
+  </p:cSld>
+  <p:clrMapOvr>
+    <a:masterClrMapping/>
+  </p:clrMapOvr>
+</p:notes>
+</file>
+
+<file path=ppt/notesSlides/notesSlide3.xml><?xml version="1.0" encoding="utf-8"?>
+<p:notes xmlns:a="http://schemas.openxmlformats.org/drawingml/2006/main" xmlns:r="http://schemas.openxmlformats.org/officeDocument/2006/relationships" xmlns:p="http://schemas.openxmlformats.org/presentationml/2006/main">
+  <p:cSld>
+    <p:spTree>
+      <p:nvGrpSpPr>
+        <p:cNvPr id="1" name=""/>
+        <p:cNvGrpSpPr/>
+        <p:nvPr/>
+      </p:nvGrpSpPr>
+      <p:grpSpPr>
+        <a:xfrm>
+          <a:off x="0" y="0"/>
+          <a:ext cx="0" cy="0"/>
+          <a:chOff x="0" y="0"/>
+          <a:chExt cx="0" cy="0"/>
+        </a:xfrm>
+      </p:grpSpPr>
+      <p:sp>
+        <p:nvSpPr>
+          <p:cNvPr id="2" name="Slide Image Placeholder 1"/>
+          <p:cNvSpPr>
+            <a:spLocks noGrp="1" noRot="1" noChangeAspect="1"/>
+          </p:cNvSpPr>
+          <p:nvPr>
+            <p:ph type="sldImg"/>
+          </p:nvPr>
+        </p:nvSpPr>
+        <p:spPr/>
+      </p:sp>
+      <p:sp>
+        <p:nvSpPr>
+          <p:cNvPr id="3" name="Notes Placeholder 2"/>
+          <p:cNvSpPr>
+            <a:spLocks noGrp="1"/>
+          </p:cNvSpPr>
+          <p:nvPr>
+            <p:ph type="body" idx="1"/>
+          </p:nvPr>
+        </p:nvSpPr>
+        <p:spPr/>
+        <p:txBody>
+          <a:bodyPr/>
+          <a:lstStyle/>
+          <a:p>
+            <a:endParaRPr lang="en-US" dirty="0"/>
+          </a:p>
+        </p:txBody>
+      </p:sp>
+      <p:sp>
+        <p:nvSpPr>
+          <p:cNvPr id="4" name="Slide Number Placeholder 3"/>
+          <p:cNvSpPr>
+            <a:spLocks noGrp="1"/>
+          </p:cNvSpPr>
+          <p:nvPr>
+            <p:ph type="sldNum" sz="quarter" idx="5"/>
+          </p:nvPr>
+        </p:nvSpPr>
+        <p:spPr/>
+        <p:txBody>
+          <a:bodyPr/>
+          <a:lstStyle/>
+          <a:p>
+            <a:fld id="{68496B6F-940E-9549-B92E-EB420995AEA4}" type="slidenum">
+              <a:rPr lang="en-US" smtClean="0"/>
+              <a:t>4</a:t>
+            </a:fld>
+            <a:endParaRPr lang="en-US"/>
+          </a:p>
+        </p:txBody>
+      </p:sp>
+    </p:spTree>
+    <p:extLst>
+      <p:ext uri="{BB962C8B-B14F-4D97-AF65-F5344CB8AC3E}">
+        <p14:creationId xmlns:p14="http://schemas.microsoft.com/office/powerpoint/2010/main" val="84398916"/>
       </p:ext>
     </p:extLst>
   </p:cSld>
@@ -7830,6 +8081,14 @@
 <file path=ppt/slides/slide3.xml><?xml version="1.0" encoding="utf-8"?>
 <p:sld xmlns:a="http://schemas.openxmlformats.org/drawingml/2006/main" xmlns:r="http://schemas.openxmlformats.org/officeDocument/2006/relationships" xmlns:p="http://schemas.openxmlformats.org/presentationml/2006/main">
   <p:cSld>
+    <p:bg>
+      <p:bgPr>
+        <a:solidFill>
+          <a:schemeClr val="bg1"/>
+        </a:solidFill>
+        <a:effectLst/>
+      </p:bgPr>
+    </p:bg>
     <p:spTree>
       <p:nvGrpSpPr>
         <p:cNvPr id="1" name=""/>
@@ -7844,6 +8103,309 @@
           <a:chExt cx="0" cy="0"/>
         </a:xfrm>
       </p:grpSpPr>
+      <p:sp useBgFill="1">
+        <p:nvSpPr>
+          <p:cNvPr id="14" name="Rectangle 13">
+            <a:extLst>
+              <a:ext uri="{FF2B5EF4-FFF2-40B4-BE49-F238E27FC236}">
+                <a16:creationId xmlns:a16="http://schemas.microsoft.com/office/drawing/2014/main" id="{A8384FB5-9ADC-4DDC-881B-597D56F5B15D}"/>
+              </a:ext>
+              <a:ext uri="{C183D7F6-B498-43B3-948B-1728B52AA6E4}">
+                <adec:decorative xmlns:adec="http://schemas.microsoft.com/office/drawing/2017/decorative" val="1"/>
+              </a:ext>
+            </a:extLst>
+          </p:cNvPr>
+          <p:cNvSpPr>
+            <a:spLocks noGrp="1" noRot="1" noChangeAspect="1" noMove="1" noResize="1" noEditPoints="1" noAdjustHandles="1" noChangeArrowheads="1" noChangeShapeType="1" noTextEdit="1"/>
+          </p:cNvSpPr>
+          <p:nvPr>
+            <p:extLst>
+              <p:ext uri="{386F3935-93C4-4BCD-93E2-E3B085C9AB24}">
+                <p16:designElem xmlns:p16="http://schemas.microsoft.com/office/powerpoint/2015/main" val="1"/>
+              </p:ext>
+            </p:extLst>
+          </p:nvPr>
+        </p:nvSpPr>
+        <p:spPr>
+          <a:xfrm>
+            <a:off x="0" y="0"/>
+            <a:ext cx="12192000" cy="6858000"/>
+          </a:xfrm>
+          <a:prstGeom prst="rect">
+            <a:avLst/>
+          </a:prstGeom>
+          <a:ln w="12700" cap="flat" cmpd="sng" algn="ctr">
+            <a:noFill/>
+            <a:prstDash val="solid"/>
+            <a:miter lim="800000"/>
+          </a:ln>
+          <a:effectLst/>
+          <a:extLst>
+            <a:ext uri="{91240B29-F687-4F45-9708-019B960494DF}">
+              <a14:hiddenLine xmlns:a14="http://schemas.microsoft.com/office/drawing/2010/main" w="12700" cap="flat" cmpd="sng" algn="ctr">
+                <a:solidFill>
+                  <a:schemeClr val="accent1">
+                    <a:shade val="50000"/>
+                  </a:schemeClr>
+                </a:solidFill>
+                <a:prstDash val="solid"/>
+                <a:miter lim="800000"/>
+              </a14:hiddenLine>
+            </a:ext>
+          </a:extLst>
+        </p:spPr>
+        <p:style>
+          <a:lnRef idx="2">
+            <a:schemeClr val="accent1">
+              <a:shade val="50000"/>
+            </a:schemeClr>
+          </a:lnRef>
+          <a:fillRef idx="1">
+            <a:schemeClr val="accent1"/>
+          </a:fillRef>
+          <a:effectRef idx="0">
+            <a:schemeClr val="accent1"/>
+          </a:effectRef>
+          <a:fontRef idx="minor">
+            <a:schemeClr val="lt1"/>
+          </a:fontRef>
+        </p:style>
+        <p:txBody>
+          <a:bodyPr rtlCol="0" anchor="ctr"/>
+          <a:lstStyle/>
+          <a:p>
+            <a:pPr algn="ctr"/>
+            <a:endParaRPr lang="en-US"/>
+          </a:p>
+        </p:txBody>
+      </p:sp>
+      <p:sp>
+        <p:nvSpPr>
+          <p:cNvPr id="16" name="Rectangle 15">
+            <a:extLst>
+              <a:ext uri="{FF2B5EF4-FFF2-40B4-BE49-F238E27FC236}">
+                <a16:creationId xmlns:a16="http://schemas.microsoft.com/office/drawing/2014/main" id="{1199E1B1-A8C0-4FE8-A5A8-1CB41D69F857}"/>
+              </a:ext>
+              <a:ext uri="{C183D7F6-B498-43B3-948B-1728B52AA6E4}">
+                <adec:decorative xmlns:adec="http://schemas.microsoft.com/office/drawing/2017/decorative" val="1"/>
+              </a:ext>
+            </a:extLst>
+          </p:cNvPr>
+          <p:cNvSpPr>
+            <a:spLocks noGrp="1" noRot="1" noChangeAspect="1" noMove="1" noResize="1" noEditPoints="1" noAdjustHandles="1" noChangeArrowheads="1" noChangeShapeType="1" noTextEdit="1"/>
+          </p:cNvSpPr>
+          <p:nvPr>
+            <p:extLst>
+              <p:ext uri="{386F3935-93C4-4BCD-93E2-E3B085C9AB24}">
+                <p16:designElem xmlns:p16="http://schemas.microsoft.com/office/powerpoint/2015/main" val="1"/>
+              </p:ext>
+            </p:extLst>
+          </p:nvPr>
+        </p:nvSpPr>
+        <p:spPr>
+          <a:xfrm rot="10800000" flipH="1">
+            <a:off x="2" y="0"/>
+            <a:ext cx="12191998" cy="1575955"/>
+          </a:xfrm>
+          <a:prstGeom prst="rect">
+            <a:avLst/>
+          </a:prstGeom>
+          <a:gradFill>
+            <a:gsLst>
+              <a:gs pos="0">
+                <a:srgbClr val="000000">
+                  <a:alpha val="96000"/>
+                </a:srgbClr>
+              </a:gs>
+              <a:gs pos="100000">
+                <a:schemeClr val="accent1">
+                  <a:lumMod val="75000"/>
+                </a:schemeClr>
+              </a:gs>
+            </a:gsLst>
+            <a:lin ang="6000000" scaled="0"/>
+          </a:gradFill>
+          <a:ln>
+            <a:noFill/>
+          </a:ln>
+        </p:spPr>
+        <p:style>
+          <a:lnRef idx="2">
+            <a:schemeClr val="accent1">
+              <a:shade val="50000"/>
+            </a:schemeClr>
+          </a:lnRef>
+          <a:fillRef idx="1">
+            <a:schemeClr val="accent1"/>
+          </a:fillRef>
+          <a:effectRef idx="0">
+            <a:schemeClr val="accent1"/>
+          </a:effectRef>
+          <a:fontRef idx="minor">
+            <a:schemeClr val="lt1"/>
+          </a:fontRef>
+        </p:style>
+        <p:txBody>
+          <a:bodyPr rtlCol="0" anchor="ctr"/>
+          <a:lstStyle/>
+          <a:p>
+            <a:pPr algn="ctr"/>
+            <a:endParaRPr lang="en-US"/>
+          </a:p>
+        </p:txBody>
+      </p:sp>
+      <p:sp>
+        <p:nvSpPr>
+          <p:cNvPr id="18" name="Rectangle 17">
+            <a:extLst>
+              <a:ext uri="{FF2B5EF4-FFF2-40B4-BE49-F238E27FC236}">
+                <a16:creationId xmlns:a16="http://schemas.microsoft.com/office/drawing/2014/main" id="{84A8DE83-DE75-4B41-9DB4-A7EC0B0DEC0B}"/>
+              </a:ext>
+              <a:ext uri="{C183D7F6-B498-43B3-948B-1728B52AA6E4}">
+                <adec:decorative xmlns:adec="http://schemas.microsoft.com/office/drawing/2017/decorative" val="1"/>
+              </a:ext>
+            </a:extLst>
+          </p:cNvPr>
+          <p:cNvSpPr>
+            <a:spLocks noGrp="1" noRot="1" noChangeAspect="1" noMove="1" noResize="1" noEditPoints="1" noAdjustHandles="1" noChangeArrowheads="1" noChangeShapeType="1" noTextEdit="1"/>
+          </p:cNvSpPr>
+          <p:nvPr>
+            <p:extLst>
+              <p:ext uri="{386F3935-93C4-4BCD-93E2-E3B085C9AB24}">
+                <p16:designElem xmlns:p16="http://schemas.microsoft.com/office/powerpoint/2015/main" val="1"/>
+              </p:ext>
+            </p:extLst>
+          </p:nvPr>
+        </p:nvSpPr>
+        <p:spPr>
+          <a:xfrm>
+            <a:off x="0" y="0"/>
+            <a:ext cx="8128856" cy="1575461"/>
+          </a:xfrm>
+          <a:prstGeom prst="rect">
+            <a:avLst/>
+          </a:prstGeom>
+          <a:gradFill>
+            <a:gsLst>
+              <a:gs pos="0">
+                <a:schemeClr val="accent1">
+                  <a:alpha val="41000"/>
+                </a:schemeClr>
+              </a:gs>
+              <a:gs pos="74000">
+                <a:schemeClr val="accent1">
+                  <a:lumMod val="60000"/>
+                  <a:lumOff val="40000"/>
+                  <a:alpha val="0"/>
+                </a:schemeClr>
+              </a:gs>
+            </a:gsLst>
+            <a:lin ang="8400000" scaled="0"/>
+          </a:gradFill>
+          <a:ln>
+            <a:noFill/>
+          </a:ln>
+        </p:spPr>
+        <p:style>
+          <a:lnRef idx="2">
+            <a:schemeClr val="accent1">
+              <a:shade val="50000"/>
+            </a:schemeClr>
+          </a:lnRef>
+          <a:fillRef idx="1">
+            <a:schemeClr val="accent1"/>
+          </a:fillRef>
+          <a:effectRef idx="0">
+            <a:schemeClr val="accent1"/>
+          </a:effectRef>
+          <a:fontRef idx="minor">
+            <a:schemeClr val="lt1"/>
+          </a:fontRef>
+        </p:style>
+        <p:txBody>
+          <a:bodyPr rtlCol="0" anchor="ctr"/>
+          <a:lstStyle/>
+          <a:p>
+            <a:pPr algn="ctr"/>
+            <a:endParaRPr lang="en-US"/>
+          </a:p>
+        </p:txBody>
+      </p:sp>
+      <p:sp>
+        <p:nvSpPr>
+          <p:cNvPr id="20" name="Rectangle 19">
+            <a:extLst>
+              <a:ext uri="{FF2B5EF4-FFF2-40B4-BE49-F238E27FC236}">
+                <a16:creationId xmlns:a16="http://schemas.microsoft.com/office/drawing/2014/main" id="{A7009A0A-BEF5-4EAC-AF15-E4F9F002E239}"/>
+              </a:ext>
+              <a:ext uri="{C183D7F6-B498-43B3-948B-1728B52AA6E4}">
+                <adec:decorative xmlns:adec="http://schemas.microsoft.com/office/drawing/2017/decorative" val="1"/>
+              </a:ext>
+            </a:extLst>
+          </p:cNvPr>
+          <p:cNvSpPr>
+            <a:spLocks noGrp="1" noRot="1" noChangeAspect="1" noMove="1" noResize="1" noEditPoints="1" noAdjustHandles="1" noChangeArrowheads="1" noChangeShapeType="1" noTextEdit="1"/>
+          </p:cNvSpPr>
+          <p:nvPr>
+            <p:extLst>
+              <p:ext uri="{386F3935-93C4-4BCD-93E2-E3B085C9AB24}">
+                <p16:designElem xmlns:p16="http://schemas.microsoft.com/office/powerpoint/2015/main" val="1"/>
+              </p:ext>
+            </p:extLst>
+          </p:nvPr>
+        </p:nvSpPr>
+        <p:spPr>
+          <a:xfrm flipH="1">
+            <a:off x="-3" y="-1"/>
+            <a:ext cx="12192002" cy="1574311"/>
+          </a:xfrm>
+          <a:prstGeom prst="rect">
+            <a:avLst/>
+          </a:prstGeom>
+          <a:gradFill>
+            <a:gsLst>
+              <a:gs pos="0">
+                <a:srgbClr val="000000">
+                  <a:alpha val="63000"/>
+                </a:srgbClr>
+              </a:gs>
+              <a:gs pos="78000">
+                <a:schemeClr val="accent1">
+                  <a:alpha val="15000"/>
+                </a:schemeClr>
+              </a:gs>
+            </a:gsLst>
+            <a:lin ang="15600000" scaled="0"/>
+          </a:gradFill>
+          <a:ln>
+            <a:noFill/>
+          </a:ln>
+        </p:spPr>
+        <p:style>
+          <a:lnRef idx="2">
+            <a:schemeClr val="accent1">
+              <a:shade val="50000"/>
+            </a:schemeClr>
+          </a:lnRef>
+          <a:fillRef idx="1">
+            <a:schemeClr val="accent1"/>
+          </a:fillRef>
+          <a:effectRef idx="0">
+            <a:schemeClr val="accent1"/>
+          </a:effectRef>
+          <a:fontRef idx="minor">
+            <a:schemeClr val="lt1"/>
+          </a:fontRef>
+        </p:style>
+        <p:txBody>
+          <a:bodyPr rtlCol="0" anchor="ctr"/>
+          <a:lstStyle/>
+          <a:p>
+            <a:pPr algn="ctr"/>
+            <a:endParaRPr lang="en-US"/>
+          </a:p>
+        </p:txBody>
+      </p:sp>
       <p:sp>
         <p:nvSpPr>
           <p:cNvPr id="2" name="Title 1">
@@ -7860,43 +8422,64 @@
             <p:ph type="title"/>
           </p:nvPr>
         </p:nvSpPr>
-        <p:spPr/>
-        <p:txBody>
-          <a:bodyPr/>
+        <p:spPr>
+          <a:xfrm>
+            <a:off x="699713" y="248038"/>
+            <a:ext cx="7063721" cy="1159200"/>
+          </a:xfrm>
+        </p:spPr>
+        <p:txBody>
+          <a:bodyPr vert="horz" lIns="91440" tIns="45720" rIns="91440" bIns="45720" rtlCol="0" anchor="ctr">
+            <a:normAutofit/>
+          </a:bodyPr>
           <a:lstStyle/>
           <a:p>
             <a:r>
-              <a:rPr lang="en-US" dirty="0"/>
-              <a:t>Assay Development</a:t>
-            </a:r>
-          </a:p>
-        </p:txBody>
-      </p:sp>
-      <p:sp>
-        <p:nvSpPr>
-          <p:cNvPr id="3" name="Content Placeholder 2">
+              <a:rPr lang="en-US" sz="4000" kern="1200">
+                <a:solidFill>
+                  <a:srgbClr val="FFFFFF"/>
+                </a:solidFill>
+                <a:latin typeface="+mj-lt"/>
+                <a:ea typeface="+mj-ea"/>
+                <a:cs typeface="+mj-cs"/>
+              </a:rPr>
+              <a:t>Rule configuration</a:t>
+            </a:r>
+          </a:p>
+        </p:txBody>
+      </p:sp>
+      <p:pic>
+        <p:nvPicPr>
+          <p:cNvPr id="9" name="Content Placeholder 8" descr="A screenshot of a computer&#10;&#10;AI-generated content may be incorrect.">
             <a:extLst>
               <a:ext uri="{FF2B5EF4-FFF2-40B4-BE49-F238E27FC236}">
-                <a16:creationId xmlns:a16="http://schemas.microsoft.com/office/drawing/2014/main" id="{6D7B3DF6-FABA-9947-4477-2E6383CAF2A4}"/>
+                <a16:creationId xmlns:a16="http://schemas.microsoft.com/office/drawing/2014/main" id="{62E6C2C0-94F5-FE8D-075E-62652573BFDF}"/>
               </a:ext>
             </a:extLst>
           </p:cNvPr>
-          <p:cNvSpPr>
-            <a:spLocks noGrp="1"/>
-          </p:cNvSpPr>
+          <p:cNvPicPr>
+            <a:picLocks noGrp="1" noChangeAspect="1"/>
+          </p:cNvPicPr>
           <p:nvPr>
             <p:ph idx="1"/>
           </p:nvPr>
-        </p:nvSpPr>
-        <p:spPr/>
-        <p:txBody>
-          <a:bodyPr/>
-          <a:lstStyle/>
-          <a:p>
-            <a:endParaRPr lang="en-US" dirty="0"/>
-          </a:p>
-        </p:txBody>
-      </p:sp>
+        </p:nvPicPr>
+        <p:blipFill>
+          <a:blip r:embed="rId3"/>
+          <a:stretch>
+            <a:fillRect/>
+          </a:stretch>
+        </p:blipFill>
+        <p:spPr>
+          <a:xfrm>
+            <a:off x="432225" y="2125096"/>
+            <a:ext cx="11327549" cy="4134554"/>
+          </a:xfrm>
+          <a:prstGeom prst="rect">
+            <a:avLst/>
+          </a:prstGeom>
+        </p:spPr>
+      </p:pic>
     </p:spTree>
     <p:extLst>
       <p:ext uri="{BB962C8B-B14F-4D97-AF65-F5344CB8AC3E}">
@@ -7935,12 +8518,12 @@
           <a:chExt cx="0" cy="0"/>
         </a:xfrm>
       </p:grpSpPr>
-      <p:sp>
-        <p:nvSpPr>
-          <p:cNvPr id="14" name="Rectangle 13">
+      <p:sp useBgFill="1">
+        <p:nvSpPr>
+          <p:cNvPr id="40" name="Rectangle 39">
             <a:extLst>
               <a:ext uri="{FF2B5EF4-FFF2-40B4-BE49-F238E27FC236}">
-                <a16:creationId xmlns:a16="http://schemas.microsoft.com/office/drawing/2014/main" id="{A4AC5506-6312-4701-8D3C-40187889A947}"/>
+                <a16:creationId xmlns:a16="http://schemas.microsoft.com/office/drawing/2014/main" id="{A8384FB5-9ADC-4DDC-881B-597D56F5B15D}"/>
               </a:ext>
               <a:ext uri="{C183D7F6-B498-43B3-948B-1728B52AA6E4}">
                 <adec:decorative xmlns:adec="http://schemas.microsoft.com/office/drawing/2017/decorative" val="1"/>
@@ -7960,15 +8543,103 @@
         </p:nvSpPr>
         <p:spPr>
           <a:xfrm>
-            <a:off x="0" y="651752"/>
-            <a:ext cx="12192000" cy="736551"/>
+            <a:off x="0" y="0"/>
+            <a:ext cx="12192000" cy="6858000"/>
           </a:xfrm>
           <a:prstGeom prst="rect">
             <a:avLst/>
           </a:prstGeom>
-          <a:solidFill>
-            <a:schemeClr val="tx1"/>
-          </a:solidFill>
+          <a:ln w="12700" cap="flat" cmpd="sng" algn="ctr">
+            <a:noFill/>
+            <a:prstDash val="solid"/>
+            <a:miter lim="800000"/>
+          </a:ln>
+          <a:effectLst/>
+          <a:extLst>
+            <a:ext uri="{91240B29-F687-4F45-9708-019B960494DF}">
+              <a14:hiddenLine xmlns:a14="http://schemas.microsoft.com/office/drawing/2010/main" w="12700" cap="flat" cmpd="sng" algn="ctr">
+                <a:solidFill>
+                  <a:schemeClr val="accent1">
+                    <a:shade val="50000"/>
+                  </a:schemeClr>
+                </a:solidFill>
+                <a:prstDash val="solid"/>
+                <a:miter lim="800000"/>
+              </a14:hiddenLine>
+            </a:ext>
+          </a:extLst>
+        </p:spPr>
+        <p:style>
+          <a:lnRef idx="2">
+            <a:schemeClr val="accent1">
+              <a:shade val="50000"/>
+            </a:schemeClr>
+          </a:lnRef>
+          <a:fillRef idx="1">
+            <a:schemeClr val="accent1"/>
+          </a:fillRef>
+          <a:effectRef idx="0">
+            <a:schemeClr val="accent1"/>
+          </a:effectRef>
+          <a:fontRef idx="minor">
+            <a:schemeClr val="lt1"/>
+          </a:fontRef>
+        </p:style>
+        <p:txBody>
+          <a:bodyPr rtlCol="0" anchor="ctr"/>
+          <a:lstStyle/>
+          <a:p>
+            <a:pPr algn="ctr"/>
+            <a:endParaRPr lang="en-US"/>
+          </a:p>
+        </p:txBody>
+      </p:sp>
+      <p:sp>
+        <p:nvSpPr>
+          <p:cNvPr id="41" name="Rectangle 40">
+            <a:extLst>
+              <a:ext uri="{FF2B5EF4-FFF2-40B4-BE49-F238E27FC236}">
+                <a16:creationId xmlns:a16="http://schemas.microsoft.com/office/drawing/2014/main" id="{1199E1B1-A8C0-4FE8-A5A8-1CB41D69F857}"/>
+              </a:ext>
+              <a:ext uri="{C183D7F6-B498-43B3-948B-1728B52AA6E4}">
+                <adec:decorative xmlns:adec="http://schemas.microsoft.com/office/drawing/2017/decorative" val="1"/>
+              </a:ext>
+            </a:extLst>
+          </p:cNvPr>
+          <p:cNvSpPr>
+            <a:spLocks noGrp="1" noRot="1" noChangeAspect="1" noMove="1" noResize="1" noEditPoints="1" noAdjustHandles="1" noChangeArrowheads="1" noChangeShapeType="1" noTextEdit="1"/>
+          </p:cNvSpPr>
+          <p:nvPr>
+            <p:extLst>
+              <p:ext uri="{386F3935-93C4-4BCD-93E2-E3B085C9AB24}">
+                <p16:designElem xmlns:p16="http://schemas.microsoft.com/office/powerpoint/2015/main" val="1"/>
+              </p:ext>
+            </p:extLst>
+          </p:nvPr>
+        </p:nvSpPr>
+        <p:spPr>
+          <a:xfrm rot="10800000" flipH="1">
+            <a:off x="2" y="0"/>
+            <a:ext cx="12191998" cy="1575955"/>
+          </a:xfrm>
+          <a:prstGeom prst="rect">
+            <a:avLst/>
+          </a:prstGeom>
+          <a:gradFill>
+            <a:gsLst>
+              <a:gs pos="0">
+                <a:srgbClr val="000000">
+                  <a:alpha val="96000"/>
+                </a:srgbClr>
+              </a:gs>
+              <a:gs pos="100000">
+                <a:schemeClr val="accent1">
+                  <a:lumMod val="75000"/>
+                </a:schemeClr>
+              </a:gs>
+            </a:gsLst>
+            <a:lin ang="6000000" scaled="0"/>
+          </a:gradFill>
           <a:ln>
             <a:noFill/>
           </a:ln>
@@ -8000,6 +8671,158 @@
       </p:sp>
       <p:sp>
         <p:nvSpPr>
+          <p:cNvPr id="42" name="Rectangle 41">
+            <a:extLst>
+              <a:ext uri="{FF2B5EF4-FFF2-40B4-BE49-F238E27FC236}">
+                <a16:creationId xmlns:a16="http://schemas.microsoft.com/office/drawing/2014/main" id="{84A8DE83-DE75-4B41-9DB4-A7EC0B0DEC0B}"/>
+              </a:ext>
+              <a:ext uri="{C183D7F6-B498-43B3-948B-1728B52AA6E4}">
+                <adec:decorative xmlns:adec="http://schemas.microsoft.com/office/drawing/2017/decorative" val="1"/>
+              </a:ext>
+            </a:extLst>
+          </p:cNvPr>
+          <p:cNvSpPr>
+            <a:spLocks noGrp="1" noRot="1" noChangeAspect="1" noMove="1" noResize="1" noEditPoints="1" noAdjustHandles="1" noChangeArrowheads="1" noChangeShapeType="1" noTextEdit="1"/>
+          </p:cNvSpPr>
+          <p:nvPr>
+            <p:extLst>
+              <p:ext uri="{386F3935-93C4-4BCD-93E2-E3B085C9AB24}">
+                <p16:designElem xmlns:p16="http://schemas.microsoft.com/office/powerpoint/2015/main" val="1"/>
+              </p:ext>
+            </p:extLst>
+          </p:nvPr>
+        </p:nvSpPr>
+        <p:spPr>
+          <a:xfrm>
+            <a:off x="0" y="0"/>
+            <a:ext cx="8128856" cy="1575461"/>
+          </a:xfrm>
+          <a:prstGeom prst="rect">
+            <a:avLst/>
+          </a:prstGeom>
+          <a:gradFill>
+            <a:gsLst>
+              <a:gs pos="0">
+                <a:schemeClr val="accent1">
+                  <a:alpha val="41000"/>
+                </a:schemeClr>
+              </a:gs>
+              <a:gs pos="74000">
+                <a:schemeClr val="accent1">
+                  <a:lumMod val="60000"/>
+                  <a:lumOff val="40000"/>
+                  <a:alpha val="0"/>
+                </a:schemeClr>
+              </a:gs>
+            </a:gsLst>
+            <a:lin ang="8400000" scaled="0"/>
+          </a:gradFill>
+          <a:ln>
+            <a:noFill/>
+          </a:ln>
+        </p:spPr>
+        <p:style>
+          <a:lnRef idx="2">
+            <a:schemeClr val="accent1">
+              <a:shade val="50000"/>
+            </a:schemeClr>
+          </a:lnRef>
+          <a:fillRef idx="1">
+            <a:schemeClr val="accent1"/>
+          </a:fillRef>
+          <a:effectRef idx="0">
+            <a:schemeClr val="accent1"/>
+          </a:effectRef>
+          <a:fontRef idx="minor">
+            <a:schemeClr val="lt1"/>
+          </a:fontRef>
+        </p:style>
+        <p:txBody>
+          <a:bodyPr rtlCol="0" anchor="ctr"/>
+          <a:lstStyle/>
+          <a:p>
+            <a:pPr algn="ctr"/>
+            <a:endParaRPr lang="en-US"/>
+          </a:p>
+        </p:txBody>
+      </p:sp>
+      <p:sp>
+        <p:nvSpPr>
+          <p:cNvPr id="43" name="Rectangle 42">
+            <a:extLst>
+              <a:ext uri="{FF2B5EF4-FFF2-40B4-BE49-F238E27FC236}">
+                <a16:creationId xmlns:a16="http://schemas.microsoft.com/office/drawing/2014/main" id="{A7009A0A-BEF5-4EAC-AF15-E4F9F002E239}"/>
+              </a:ext>
+              <a:ext uri="{C183D7F6-B498-43B3-948B-1728B52AA6E4}">
+                <adec:decorative xmlns:adec="http://schemas.microsoft.com/office/drawing/2017/decorative" val="1"/>
+              </a:ext>
+            </a:extLst>
+          </p:cNvPr>
+          <p:cNvSpPr>
+            <a:spLocks noGrp="1" noRot="1" noChangeAspect="1" noMove="1" noResize="1" noEditPoints="1" noAdjustHandles="1" noChangeArrowheads="1" noChangeShapeType="1" noTextEdit="1"/>
+          </p:cNvSpPr>
+          <p:nvPr>
+            <p:extLst>
+              <p:ext uri="{386F3935-93C4-4BCD-93E2-E3B085C9AB24}">
+                <p16:designElem xmlns:p16="http://schemas.microsoft.com/office/powerpoint/2015/main" val="1"/>
+              </p:ext>
+            </p:extLst>
+          </p:nvPr>
+        </p:nvSpPr>
+        <p:spPr>
+          <a:xfrm flipH="1">
+            <a:off x="-3" y="-1"/>
+            <a:ext cx="12192002" cy="1574311"/>
+          </a:xfrm>
+          <a:prstGeom prst="rect">
+            <a:avLst/>
+          </a:prstGeom>
+          <a:gradFill>
+            <a:gsLst>
+              <a:gs pos="0">
+                <a:srgbClr val="000000">
+                  <a:alpha val="63000"/>
+                </a:srgbClr>
+              </a:gs>
+              <a:gs pos="78000">
+                <a:schemeClr val="accent1">
+                  <a:alpha val="15000"/>
+                </a:schemeClr>
+              </a:gs>
+            </a:gsLst>
+            <a:lin ang="15600000" scaled="0"/>
+          </a:gradFill>
+          <a:ln>
+            <a:noFill/>
+          </a:ln>
+        </p:spPr>
+        <p:style>
+          <a:lnRef idx="2">
+            <a:schemeClr val="accent1">
+              <a:shade val="50000"/>
+            </a:schemeClr>
+          </a:lnRef>
+          <a:fillRef idx="1">
+            <a:schemeClr val="accent1"/>
+          </a:fillRef>
+          <a:effectRef idx="0">
+            <a:schemeClr val="accent1"/>
+          </a:effectRef>
+          <a:fontRef idx="minor">
+            <a:schemeClr val="lt1"/>
+          </a:fontRef>
+        </p:style>
+        <p:txBody>
+          <a:bodyPr rtlCol="0" anchor="ctr"/>
+          <a:lstStyle/>
+          <a:p>
+            <a:pPr algn="ctr"/>
+            <a:endParaRPr lang="en-US"/>
+          </a:p>
+        </p:txBody>
+      </p:sp>
+      <p:sp>
+        <p:nvSpPr>
           <p:cNvPr id="2" name="Title 1">
             <a:extLst>
               <a:ext uri="{FF2B5EF4-FFF2-40B4-BE49-F238E27FC236}">
@@ -8016,8 +8839,8 @@
         </p:nvSpPr>
         <p:spPr>
           <a:xfrm>
-            <a:off x="556532" y="643467"/>
-            <a:ext cx="11210925" cy="744836"/>
+            <a:off x="699713" y="248038"/>
+            <a:ext cx="7063721" cy="1159200"/>
           </a:xfrm>
         </p:spPr>
         <p:txBody>
@@ -8026,11 +8849,10 @@
           </a:bodyPr>
           <a:lstStyle/>
           <a:p>
-            <a:pPr algn="ctr"/>
-            <a:r>
-              <a:rPr lang="en-US" sz="3200" kern="1200" dirty="0">
+            <a:r>
+              <a:rPr lang="en-US" sz="4000" kern="1200">
                 <a:solidFill>
-                  <a:schemeClr val="bg1"/>
+                  <a:srgbClr val="FFFFFF"/>
                 </a:solidFill>
                 <a:latin typeface="+mj-lt"/>
                 <a:ea typeface="+mj-ea"/>
@@ -8041,12 +8863,147 @@
           </a:p>
         </p:txBody>
       </p:sp>
+      <p:sp>
+        <p:nvSpPr>
+          <p:cNvPr id="16" name="TextBox 15">
+            <a:extLst>
+              <a:ext uri="{FF2B5EF4-FFF2-40B4-BE49-F238E27FC236}">
+                <a16:creationId xmlns:a16="http://schemas.microsoft.com/office/drawing/2014/main" id="{3C427925-A950-AF74-CC25-E7C1B4E034DE}"/>
+              </a:ext>
+            </a:extLst>
+          </p:cNvPr>
+          <p:cNvSpPr txBox="1"/>
+          <p:nvPr/>
+        </p:nvSpPr>
+        <p:spPr>
+          <a:xfrm>
+            <a:off x="8692400" y="1987853"/>
+            <a:ext cx="2876018" cy="3416320"/>
+          </a:xfrm>
+          <a:prstGeom prst="rect">
+            <a:avLst/>
+          </a:prstGeom>
+          <a:noFill/>
+        </p:spPr>
+        <p:txBody>
+          <a:bodyPr wrap="square" rtlCol="0">
+            <a:spAutoFit/>
+          </a:bodyPr>
+          <a:lstStyle/>
+          <a:p>
+            <a:r>
+              <a:rPr lang="en-US" b="1" dirty="0"/>
+              <a:t>Contract</a:t>
+            </a:r>
+            <a:endParaRPr lang="en-US" dirty="0"/>
+          </a:p>
+          <a:p>
+            <a:r>
+              <a:rPr lang="en-US" dirty="0"/>
+              <a:t>Ascent Provides:</a:t>
+            </a:r>
+          </a:p>
+          <a:p>
+            <a:pPr marL="285750" indent="-285750">
+              <a:buFont typeface="Arial" panose="020B0604020202020204" pitchFamily="34" charset="0"/>
+              <a:buChar char="•"/>
+            </a:pPr>
+            <a:r>
+              <a:rPr lang="en-US" dirty="0"/>
+              <a:t>User prompt</a:t>
+            </a:r>
+          </a:p>
+          <a:p>
+            <a:pPr marL="285750" indent="-285750">
+              <a:buFont typeface="Arial" panose="020B0604020202020204" pitchFamily="34" charset="0"/>
+              <a:buChar char="•"/>
+            </a:pPr>
+            <a:r>
+              <a:rPr lang="en-US" dirty="0"/>
+              <a:t>Assay ID</a:t>
+            </a:r>
+          </a:p>
+          <a:p>
+            <a:pPr marL="285750" indent="-285750">
+              <a:buFont typeface="Arial" panose="020B0604020202020204" pitchFamily="34" charset="0"/>
+              <a:buChar char="•"/>
+            </a:pPr>
+            <a:r>
+              <a:rPr lang="en-US" dirty="0"/>
+              <a:t>UI Context</a:t>
+            </a:r>
+          </a:p>
+          <a:p>
+            <a:pPr marL="285750" indent="-285750">
+              <a:buFont typeface="Arial" panose="020B0604020202020204" pitchFamily="34" charset="0"/>
+              <a:buChar char="•"/>
+            </a:pPr>
+            <a:endParaRPr lang="en-US" dirty="0"/>
+          </a:p>
+          <a:p>
+            <a:r>
+              <a:rPr lang="en-US" dirty="0"/>
+              <a:t>Lambda Returns:</a:t>
+            </a:r>
+          </a:p>
+          <a:p>
+            <a:pPr marL="285750" indent="-285750">
+              <a:buFont typeface="Arial" panose="020B0604020202020204" pitchFamily="34" charset="0"/>
+              <a:buChar char="•"/>
+            </a:pPr>
+            <a:r>
+              <a:rPr lang="en-US" dirty="0"/>
+              <a:t>Status</a:t>
+            </a:r>
+          </a:p>
+          <a:p>
+            <a:pPr marL="285750" indent="-285750">
+              <a:buFont typeface="Arial" panose="020B0604020202020204" pitchFamily="34" charset="0"/>
+              <a:buChar char="•"/>
+            </a:pPr>
+            <a:r>
+              <a:rPr lang="en-US" dirty="0"/>
+              <a:t>Success:</a:t>
+            </a:r>
+          </a:p>
+          <a:p>
+            <a:pPr marL="742950" lvl="1" indent="-285750">
+              <a:buFont typeface="Arial" panose="020B0604020202020204" pitchFamily="34" charset="0"/>
+              <a:buChar char="•"/>
+            </a:pPr>
+            <a:r>
+              <a:rPr lang="en-US" dirty="0"/>
+              <a:t>Structured updates</a:t>
+            </a:r>
+          </a:p>
+          <a:p>
+            <a:pPr marL="285750" indent="-285750">
+              <a:buFont typeface="Arial" panose="020B0604020202020204" pitchFamily="34" charset="0"/>
+              <a:buChar char="•"/>
+            </a:pPr>
+            <a:r>
+              <a:rPr lang="en-US" dirty="0"/>
+              <a:t>Failure:</a:t>
+            </a:r>
+          </a:p>
+          <a:p>
+            <a:pPr marL="742950" lvl="1" indent="-285750">
+              <a:buFont typeface="Arial" panose="020B0604020202020204" pitchFamily="34" charset="0"/>
+              <a:buChar char="•"/>
+            </a:pPr>
+            <a:r>
+              <a:rPr lang="en-US" dirty="0"/>
+              <a:t>Error message</a:t>
+            </a:r>
+          </a:p>
+        </p:txBody>
+      </p:sp>
       <p:pic>
         <p:nvPicPr>
-          <p:cNvPr id="9" name="Content Placeholder 8">
+          <p:cNvPr id="22" name="Content Placeholder 21">
             <a:extLst>
               <a:ext uri="{FF2B5EF4-FFF2-40B4-BE49-F238E27FC236}">
-                <a16:creationId xmlns:a16="http://schemas.microsoft.com/office/drawing/2014/main" id="{0D4A3BBF-AB06-E702-9D1E-97DB2007047A}"/>
+                <a16:creationId xmlns:a16="http://schemas.microsoft.com/office/drawing/2014/main" id="{EEDC2C2E-4587-2426-31F4-9AF927688720}"/>
               </a:ext>
             </a:extLst>
           </p:cNvPr>
@@ -8058,19 +9015,16 @@
           </p:nvPr>
         </p:nvPicPr>
         <p:blipFill>
-          <a:blip r:embed="rId2"/>
+          <a:blip r:embed="rId3"/>
           <a:stretch>
             <a:fillRect/>
           </a:stretch>
         </p:blipFill>
         <p:spPr>
           <a:xfrm>
-            <a:off x="1993629" y="1655402"/>
-            <a:ext cx="9327515" cy="5202598"/>
+            <a:off x="922154" y="1822348"/>
+            <a:ext cx="7770246" cy="4351338"/>
           </a:xfrm>
-          <a:prstGeom prst="rect">
-            <a:avLst/>
-          </a:prstGeom>
         </p:spPr>
       </p:pic>
     </p:spTree>
@@ -8393,7 +9347,7 @@
             </a:pPr>
             <a:r>
               <a:rPr lang="en-US" dirty="0"/>
-              <a:t>Cold start latency: ~0.1+ seconds</a:t>
+              <a:t>Cold start latency: ~0.1- seconds</a:t>
             </a:r>
           </a:p>
           <a:p>
